--- a/lectures/CSC4005_2_Parallel_Computer_Memory_Architectures_Programming_Models_draft.pptx
+++ b/lectures/CSC4005_2_Parallel_Computer_Memory_Architectures_Programming_Models_draft.pptx
@@ -282,7 +282,7 @@
             <a:fld id="{0DAB74CB-9F6E-4BAB-97E3-C77662C4A560}" type="datetimeFigureOut">
               <a:rPr lang="en-US" smtClean="0"/>
               <a:pPr/>
-              <a:t>9/28/2018</a:t>
+              <a:t>10/4/2018</a:t>
             </a:fld>
             <a:endParaRPr lang="en-GB"/>
           </a:p>
@@ -1082,7 +1082,7 @@
           <a:p>
             <a:fld id="{A0D70246-5E6C-4B17-8CD1-736E0CA565D8}" type="datetime1">
               <a:rPr lang="en-US" smtClean="0"/>
-              <a:t>9/28/2018</a:t>
+              <a:t>10/4/2018</a:t>
             </a:fld>
             <a:endParaRPr lang="en-GB"/>
           </a:p>
@@ -1252,7 +1252,7 @@
           <a:p>
             <a:fld id="{59AE14A3-9FCD-4978-9B2C-CC3D5D606DBA}" type="datetime1">
               <a:rPr lang="en-US" smtClean="0"/>
-              <a:t>9/28/2018</a:t>
+              <a:t>10/4/2018</a:t>
             </a:fld>
             <a:endParaRPr lang="en-GB"/>
           </a:p>
@@ -1432,7 +1432,7 @@
           <a:p>
             <a:fld id="{C46728F6-351F-4D97-823E-9F88F46ED11E}" type="datetime1">
               <a:rPr lang="en-US" smtClean="0"/>
-              <a:t>9/28/2018</a:t>
+              <a:t>10/4/2018</a:t>
             </a:fld>
             <a:endParaRPr lang="en-GB"/>
           </a:p>
@@ -1550,7 +1550,7 @@
           <a:p>
             <a:fld id="{6B1CE540-17F3-46A9-BFB9-A9AFFB99183C}" type="datetime1">
               <a:rPr lang="en-US" smtClean="0"/>
-              <a:t>9/28/2018</a:t>
+              <a:t>10/4/2018</a:t>
             </a:fld>
             <a:endParaRPr lang="en-GB"/>
           </a:p>
@@ -1780,7 +1780,7 @@
           <a:p>
             <a:fld id="{108ACCDE-6AD4-4FB6-B10F-30C1E027F0B4}" type="datetime1">
               <a:rPr lang="en-US" smtClean="0"/>
-              <a:t>9/28/2018</a:t>
+              <a:t>10/4/2018</a:t>
             </a:fld>
             <a:endParaRPr lang="en-GB"/>
           </a:p>
@@ -2110,7 +2110,7 @@
           <a:p>
             <a:fld id="{AD1E1C06-46DD-4B94-AD31-D91B1BF86796}" type="datetime1">
               <a:rPr lang="en-US" smtClean="0"/>
-              <a:t>9/28/2018</a:t>
+              <a:t>10/4/2018</a:t>
             </a:fld>
             <a:endParaRPr lang="en-GB"/>
           </a:p>
@@ -2392,7 +2392,7 @@
           <a:p>
             <a:fld id="{B24E7458-A35D-4318-856E-5BEA6595E80F}" type="datetime1">
               <a:rPr lang="en-US" smtClean="0"/>
-              <a:t>9/28/2018</a:t>
+              <a:t>10/4/2018</a:t>
             </a:fld>
             <a:endParaRPr lang="en-GB"/>
           </a:p>
@@ -2847,7 +2847,7 @@
           <a:p>
             <a:fld id="{66BA916A-BE6D-4DEC-9082-83679F4F8B0C}" type="datetime1">
               <a:rPr lang="en-US" smtClean="0"/>
-              <a:t>9/28/2018</a:t>
+              <a:t>10/4/2018</a:t>
             </a:fld>
             <a:endParaRPr lang="en-GB"/>
           </a:p>
@@ -3329,7 +3329,7 @@
           <a:p>
             <a:fld id="{BADF0BA3-2A7C-4694-92C8-F71096A7247A}" type="datetime1">
               <a:rPr lang="en-US" smtClean="0"/>
-              <a:t>9/28/2018</a:t>
+              <a:t>10/4/2018</a:t>
             </a:fld>
             <a:endParaRPr lang="en-GB"/>
           </a:p>
@@ -3452,7 +3452,7 @@
           <a:p>
             <a:fld id="{63459D76-A48C-4B8D-BA1C-38F6B9573BA4}" type="datetime1">
               <a:rPr lang="en-US" smtClean="0"/>
-              <a:t>9/28/2018</a:t>
+              <a:t>10/4/2018</a:t>
             </a:fld>
             <a:endParaRPr lang="en-GB"/>
           </a:p>
@@ -3552,7 +3552,7 @@
           <a:p>
             <a:fld id="{E8CEF4E8-A77A-4B78-A2DD-B65DA113EE6C}" type="datetime1">
               <a:rPr lang="en-US" smtClean="0"/>
-              <a:t>9/28/2018</a:t>
+              <a:t>10/4/2018</a:t>
             </a:fld>
             <a:endParaRPr lang="en-GB"/>
           </a:p>
@@ -3727,7 +3727,7 @@
           <a:p>
             <a:fld id="{6A31775B-21F2-4B06-8348-0DFB4C87EDB9}" type="datetime1">
               <a:rPr lang="en-US" smtClean="0"/>
-              <a:t>9/28/2018</a:t>
+              <a:t>10/4/2018</a:t>
             </a:fld>
             <a:endParaRPr lang="en-GB"/>
           </a:p>
@@ -4075,7 +4075,7 @@
           <a:p>
             <a:fld id="{4E66D6C0-A1AA-48BE-96ED-FC1B178C0779}" type="datetime1">
               <a:rPr lang="en-US" smtClean="0"/>
-              <a:t>9/28/2018</a:t>
+              <a:t>10/4/2018</a:t>
             </a:fld>
             <a:endParaRPr lang="en-GB"/>
           </a:p>
@@ -4508,7 +4508,7 @@
           <a:p>
             <a:fld id="{9A9BBFFB-A5F2-422C-91AB-1E5BAA99F6D2}" type="datetime1">
               <a:rPr lang="en-US" smtClean="0"/>
-              <a:t>9/28/2018</a:t>
+              <a:t>10/4/2018</a:t>
             </a:fld>
             <a:endParaRPr lang="en-GB"/>
           </a:p>
@@ -4790,7 +4790,7 @@
           <a:p>
             <a:fld id="{0C2ED36E-7E74-4862-9082-FE9696B09629}" type="datetime1">
               <a:rPr lang="en-US" smtClean="0"/>
-              <a:t>9/28/2018</a:t>
+              <a:t>10/4/2018</a:t>
             </a:fld>
             <a:endParaRPr lang="en-GB"/>
           </a:p>
@@ -4975,7 +4975,7 @@
           <a:p>
             <a:fld id="{A107C320-F36E-4780-8644-B3A3E8624C6F}" type="datetime1">
               <a:rPr lang="en-US" smtClean="0"/>
-              <a:t>9/28/2018</a:t>
+              <a:t>10/4/2018</a:t>
             </a:fld>
             <a:endParaRPr lang="en-GB"/>
           </a:p>
@@ -5214,7 +5214,7 @@
                   <a:srgbClr val="191B0E"/>
                 </a:solidFill>
               </a:rPr>
-              <a:t>9/28/2018</a:t>
+              <a:t>10/4/2018</a:t>
             </a:fld>
             <a:endParaRPr lang="en-GB">
               <a:solidFill>
@@ -5568,7 +5568,7 @@
                   <a:srgbClr val="191B0E"/>
                 </a:solidFill>
               </a:rPr>
-              <a:t>9/28/2018</a:t>
+              <a:t>10/4/2018</a:t>
             </a:fld>
             <a:endParaRPr lang="en-GB">
               <a:solidFill>
@@ -5874,7 +5874,7 @@
                   <a:srgbClr val="EFEDE3"/>
                 </a:solidFill>
               </a:rPr>
-              <a:t>9/28/2018</a:t>
+              <a:t>10/4/2018</a:t>
             </a:fld>
             <a:endParaRPr lang="en-GB">
               <a:solidFill>
@@ -6353,7 +6353,7 @@
                   <a:srgbClr val="191B0E"/>
                 </a:solidFill>
               </a:rPr>
-              <a:t>9/28/2018</a:t>
+              <a:t>10/4/2018</a:t>
             </a:fld>
             <a:endParaRPr lang="en-GB">
               <a:solidFill>
@@ -6859,7 +6859,7 @@
                   <a:srgbClr val="191B0E"/>
                 </a:solidFill>
               </a:rPr>
-              <a:t>9/28/2018</a:t>
+              <a:t>10/4/2018</a:t>
             </a:fld>
             <a:endParaRPr lang="en-GB">
               <a:solidFill>
@@ -7006,7 +7006,7 @@
                   <a:srgbClr val="191B0E"/>
                 </a:solidFill>
               </a:rPr>
-              <a:t>9/28/2018</a:t>
+              <a:t>10/4/2018</a:t>
             </a:fld>
             <a:endParaRPr lang="en-GB">
               <a:solidFill>
@@ -7277,7 +7277,7 @@
           <a:p>
             <a:fld id="{1D3DE550-FBDF-4F7A-8A38-48936AC9112E}" type="datetime1">
               <a:rPr lang="en-US" smtClean="0"/>
-              <a:t>9/28/2018</a:t>
+              <a:t>10/4/2018</a:t>
             </a:fld>
             <a:endParaRPr lang="en-GB"/>
           </a:p>
@@ -7376,7 +7376,7 @@
                   <a:srgbClr val="191B0E"/>
                 </a:solidFill>
               </a:rPr>
-              <a:t>9/28/2018</a:t>
+              <a:t>10/4/2018</a:t>
             </a:fld>
             <a:endParaRPr lang="en-GB">
               <a:solidFill>
@@ -7753,7 +7753,7 @@
                   <a:srgbClr val="191B0E"/>
                 </a:solidFill>
               </a:rPr>
-              <a:t>9/28/2018</a:t>
+              <a:t>10/4/2018</a:t>
             </a:fld>
             <a:endParaRPr lang="en-GB">
               <a:solidFill>
@@ -8210,7 +8210,7 @@
                   <a:srgbClr val="191B0E"/>
                 </a:solidFill>
               </a:rPr>
-              <a:t>9/28/2018</a:t>
+              <a:t>10/4/2018</a:t>
             </a:fld>
             <a:endParaRPr lang="en-GB">
               <a:solidFill>
@@ -8516,7 +8516,7 @@
                   <a:srgbClr val="191B0E"/>
                 </a:solidFill>
               </a:rPr>
-              <a:t>9/28/2018</a:t>
+              <a:t>10/4/2018</a:t>
             </a:fld>
             <a:endParaRPr lang="en-GB">
               <a:solidFill>
@@ -8725,7 +8725,7 @@
                   <a:srgbClr val="191B0E"/>
                 </a:solidFill>
               </a:rPr>
-              <a:t>9/28/2018</a:t>
+              <a:t>10/4/2018</a:t>
             </a:fld>
             <a:endParaRPr lang="en-GB">
               <a:solidFill>
@@ -8926,7 +8926,7 @@
                   <a:srgbClr val="191B0E"/>
                 </a:solidFill>
               </a:rPr>
-              <a:t>9/28/2018</a:t>
+              <a:t>10/4/2018</a:t>
             </a:fld>
             <a:endParaRPr lang="en-GB" dirty="0">
               <a:solidFill>
@@ -9243,7 +9243,7 @@
           <a:p>
             <a:fld id="{24CDF10E-114A-4810-8FA0-7078F02A46B5}" type="datetime1">
               <a:rPr lang="en-US" smtClean="0"/>
-              <a:t>9/28/2018</a:t>
+              <a:t>10/4/2018</a:t>
             </a:fld>
             <a:endParaRPr lang="en-GB"/>
           </a:p>
@@ -9665,7 +9665,7 @@
           <a:p>
             <a:fld id="{C12AD877-DC52-4B87-AD3C-0A1482432412}" type="datetime1">
               <a:rPr lang="en-US" smtClean="0"/>
-              <a:t>9/28/2018</a:t>
+              <a:t>10/4/2018</a:t>
             </a:fld>
             <a:endParaRPr lang="en-GB"/>
           </a:p>
@@ -9783,7 +9783,7 @@
           <a:p>
             <a:fld id="{0E0E1783-1B2A-4A20-8C62-26B2A2BA669B}" type="datetime1">
               <a:rPr lang="en-US" smtClean="0"/>
-              <a:t>9/28/2018</a:t>
+              <a:t>10/4/2018</a:t>
             </a:fld>
             <a:endParaRPr lang="en-GB"/>
           </a:p>
@@ -9878,7 +9878,7 @@
           <a:p>
             <a:fld id="{352B55FF-A302-4E80-98F1-DD2300B0A2DA}" type="datetime1">
               <a:rPr lang="en-US" smtClean="0"/>
-              <a:t>9/28/2018</a:t>
+              <a:t>10/4/2018</a:t>
             </a:fld>
             <a:endParaRPr lang="en-GB"/>
           </a:p>
@@ -10155,7 +10155,7 @@
           <a:p>
             <a:fld id="{2B3B4437-EA59-493A-9C02-4E4663B21C99}" type="datetime1">
               <a:rPr lang="en-US" smtClean="0"/>
-              <a:t>9/28/2018</a:t>
+              <a:t>10/4/2018</a:t>
             </a:fld>
             <a:endParaRPr lang="en-GB"/>
           </a:p>
@@ -10408,7 +10408,7 @@
           <a:p>
             <a:fld id="{807E783E-0A89-4F41-BBDF-619EEC6852D4}" type="datetime1">
               <a:rPr lang="en-US" smtClean="0"/>
-              <a:t>9/28/2018</a:t>
+              <a:t>10/4/2018</a:t>
             </a:fld>
             <a:endParaRPr lang="en-GB"/>
           </a:p>
@@ -10647,7 +10647,7 @@
           <a:p>
             <a:fld id="{6B72C07A-233F-4995-AEB0-DE599B363FE5}" type="datetime1">
               <a:rPr lang="en-US" smtClean="0"/>
-              <a:t>9/28/2018</a:t>
+              <a:t>10/4/2018</a:t>
             </a:fld>
             <a:endParaRPr lang="en-GB"/>
           </a:p>
@@ -11160,7 +11160,7 @@
           <a:p>
             <a:fld id="{41F3CB31-CCB5-4B68-B5BD-A3C92D3C5F57}" type="datetime1">
               <a:rPr lang="en-US" smtClean="0"/>
-              <a:t>9/28/2018</a:t>
+              <a:t>10/4/2018</a:t>
             </a:fld>
             <a:endParaRPr lang="en-GB"/>
           </a:p>
@@ -11871,7 +11871,7 @@
                   <a:srgbClr val="191B0E"/>
                 </a:solidFill>
               </a:rPr>
-              <a:t>9/28/2018</a:t>
+              <a:t>10/4/2018</a:t>
             </a:fld>
             <a:endParaRPr lang="en-GB">
               <a:solidFill>
@@ -15852,11 +15852,7 @@
             <a:pPr lvl="1"/>
             <a:r>
               <a:rPr lang="en-GB" dirty="0" smtClean="0"/>
-              <a:t>All </a:t>
-            </a:r>
-            <a:r>
-              <a:rPr lang="en-GB" dirty="0" smtClean="0"/>
-              <a:t>the best</a:t>
+              <a:t>All the best</a:t>
             </a:r>
             <a:endParaRPr lang="en-GB" dirty="0"/>
           </a:p>
@@ -20943,11 +20939,7 @@
             </a:r>
             <a:r>
               <a:rPr lang="en-GB" dirty="0" smtClean="0"/>
-              <a:t>Computin</a:t>
-            </a:r>
-            <a:r>
-              <a:rPr lang="en-GB" dirty="0" smtClean="0"/>
-              <a:t>g</a:t>
+              <a:t>Computing</a:t>
             </a:r>
           </a:p>
           <a:p>
@@ -22392,21 +22384,8 @@
             </a:r>
             <a:r>
               <a:rPr lang="en-GB" dirty="0" smtClean="0"/>
-              <a:t>get the </a:t>
-            </a:r>
-            <a:r>
-              <a:rPr lang="en-GB" dirty="0" smtClean="0"/>
-              <a:t>zip file from </a:t>
-            </a:r>
-            <a:r>
-              <a:rPr lang="en-GB" dirty="0" smtClean="0"/>
-              <a:t>Resources -&gt; Tutorials -&gt; Tutorial-2 -&gt; </a:t>
-            </a:r>
-            <a:r>
-              <a:rPr lang="en-GB" dirty="0" smtClean="0"/>
-              <a:t>GroupExercise.zip, which contains:</a:t>
-            </a:r>
-            <a:endParaRPr lang="en-GB" dirty="0" smtClean="0"/>
+              <a:t>get the zip file from Resources -&gt; Tutorials -&gt; Tutorial-2 -&gt; GroupExercise.zip, which contains:</a:t>
+            </a:r>
           </a:p>
           <a:p>
             <a:pPr lvl="2"/>
@@ -22483,15 +22462,7 @@
                   <a:srgbClr val="FF0000"/>
                 </a:solidFill>
               </a:rPr>
-              <a:t>not required for running on the lab machine, but for the </a:t>
-            </a:r>
-            <a:r>
-              <a:rPr lang="en-GB" dirty="0" smtClean="0">
-                <a:solidFill>
-                  <a:srgbClr val="FF0000"/>
-                </a:solidFill>
-              </a:rPr>
-              <a:t>cluster; will be discussed shortly</a:t>
+              <a:t>not required for running on the lab machine, but for the cluster; will be discussed shortly</a:t>
             </a:r>
             <a:r>
               <a:rPr lang="en-GB" dirty="0" smtClean="0"/>
@@ -22630,7 +22601,7 @@
         </p:spPr>
         <p:txBody>
           <a:bodyPr>
-            <a:normAutofit/>
+            <a:normAutofit lnSpcReduction="10000"/>
           </a:bodyPr>
           <a:lstStyle/>
           <a:p>
@@ -22839,11 +22810,15 @@
             </a:pPr>
             <a:r>
               <a:rPr lang="en-GB" dirty="0"/>
-              <a:t>Step 5: Draw graphs of </a:t>
-            </a:r>
-            <a:r>
-              <a:rPr lang="en-GB" dirty="0" smtClean="0"/>
-              <a:t>MFLOPs </a:t>
+              <a:t>Step 5: Draw graphs </a:t>
+            </a:r>
+            <a:r>
+              <a:rPr lang="en-GB"/>
+              <a:t>of </a:t>
+            </a:r>
+            <a:r>
+              <a:rPr lang="en-GB" smtClean="0"/>
+              <a:t>MFLOPs vs execution time </a:t>
             </a:r>
             <a:r>
               <a:rPr lang="en-GB" dirty="0"/>
@@ -29572,11 +29547,11 @@
             </a:r>
             <a:r>
               <a:rPr lang="en-GB" dirty="0" smtClean="0"/>
-              <a:t>MFLOP and </a:t>
-            </a:r>
-            <a:r>
-              <a:rPr lang="en-GB" dirty="0" smtClean="0"/>
-              <a:t>MFLOPs </a:t>
+              <a:t>MFLOP vs execution time </a:t>
+            </a:r>
+            <a:r>
+              <a:rPr lang="en-GB" dirty="0" smtClean="0"/>
+              <a:t>and MFLOPs </a:t>
             </a:r>
             <a:r>
               <a:rPr lang="en-GB" dirty="0"/>
@@ -31869,21 +31844,12 @@
 </file>
 
 <file path=customXml/item1.xml><?xml version="1.0" encoding="utf-8"?>
-<?mso-contentType ?>
-<FormTemplates xmlns="http://schemas.microsoft.com/sharepoint/v3/contenttype/forms">
-  <Display>DocumentLibraryForm</Display>
-  <Edit>DocumentLibraryForm</Edit>
-  <New>DocumentLibraryForm</New>
-</FormTemplates>
-</file>
-
-<file path=customXml/item2.xml><?xml version="1.0" encoding="utf-8"?>
 <p:properties xmlns:p="http://schemas.microsoft.com/office/2006/metadata/properties" xmlns:xsi="http://www.w3.org/2001/XMLSchema-instance" xmlns:pc="http://schemas.microsoft.com/office/infopath/2007/PartnerControls">
   <documentManagement/>
 </p:properties>
 </file>
 
-<file path=customXml/item3.xml><?xml version="1.0" encoding="utf-8"?>
+<file path=customXml/item2.xml><?xml version="1.0" encoding="utf-8"?>
 <ct:contentTypeSchema xmlns:ct="http://schemas.microsoft.com/office/2006/metadata/contentType" xmlns:ma="http://schemas.microsoft.com/office/2006/metadata/properties/metaAttributes" ct:_="" ma:_="" ma:contentTypeName="Document" ma:contentTypeID="0x010100E8FFCFFE4685D84A888E3F8EC5AA16CD" ma:contentTypeVersion="0" ma:contentTypeDescription="Create a new document." ma:contentTypeScope="" ma:versionID="90b3919a3489ecceb2d6969912357435">
   <xsd:schema xmlns:xsd="http://www.w3.org/2001/XMLSchema" xmlns:xs="http://www.w3.org/2001/XMLSchema" xmlns:p="http://schemas.microsoft.com/office/2006/metadata/properties" targetNamespace="http://schemas.microsoft.com/office/2006/metadata/properties" ma:root="true" ma:fieldsID="1b05d82d297216baf5b26c55225140df">
     <xsd:element name="properties">
@@ -31997,15 +31963,16 @@
 </ct:contentTypeSchema>
 </file>
 
-<file path=customXml/itemProps1.xml><?xml version="1.0" encoding="utf-8"?>
-<ds:datastoreItem xmlns:ds="http://schemas.openxmlformats.org/officeDocument/2006/customXml" ds:itemID="{552AFE70-1C28-4903-8FBD-AB8BEDBB1406}">
-  <ds:schemaRefs>
-    <ds:schemaRef ds:uri="http://schemas.microsoft.com/sharepoint/v3/contenttype/forms"/>
-  </ds:schemaRefs>
-</ds:datastoreItem>
+<file path=customXml/item3.xml><?xml version="1.0" encoding="utf-8"?>
+<?mso-contentType ?>
+<FormTemplates xmlns="http://schemas.microsoft.com/sharepoint/v3/contenttype/forms">
+  <Display>DocumentLibraryForm</Display>
+  <Edit>DocumentLibraryForm</Edit>
+  <New>DocumentLibraryForm</New>
+</FormTemplates>
 </file>
 
-<file path=customXml/itemProps2.xml><?xml version="1.0" encoding="utf-8"?>
+<file path=customXml/itemProps1.xml><?xml version="1.0" encoding="utf-8"?>
 <ds:datastoreItem xmlns:ds="http://schemas.openxmlformats.org/officeDocument/2006/customXml" ds:itemID="{F56A0844-E12F-4012-8B90-DEC10C6E38B5}">
   <ds:schemaRefs>
     <ds:schemaRef ds:uri="http://purl.org/dc/elements/1.1/"/>
@@ -32021,6 +31988,14 @@
 </ds:datastoreItem>
 </file>
 
+<file path=customXml/itemProps2.xml><?xml version="1.0" encoding="utf-8"?>
+<ds:datastoreItem xmlns:ds="http://schemas.openxmlformats.org/officeDocument/2006/customXml" ds:itemID="{B4F9A74B-33F5-4C56-AFDC-E358F12C47E1}"/>
+</file>
+
 <file path=customXml/itemProps3.xml><?xml version="1.0" encoding="utf-8"?>
-<ds:datastoreItem xmlns:ds="http://schemas.openxmlformats.org/officeDocument/2006/customXml" ds:itemID="{91310378-FF36-40A8-B915-838F9AF884D5}"/>
+<ds:datastoreItem xmlns:ds="http://schemas.openxmlformats.org/officeDocument/2006/customXml" ds:itemID="{552AFE70-1C28-4903-8FBD-AB8BEDBB1406}">
+  <ds:schemaRefs>
+    <ds:schemaRef ds:uri="http://schemas.microsoft.com/sharepoint/v3/contenttype/forms"/>
+  </ds:schemaRefs>
+</ds:datastoreItem>
 </file>